--- a/Documents/PowerPointIS.pptx
+++ b/Documents/PowerPointIS.pptx
@@ -18549,8 +18549,8 @@
         </p:blipFill>
         <p:spPr>
           <a:xfrm>
-            <a:off x="1278195" y="1611981"/>
-            <a:ext cx="8983404" cy="4898856"/>
+            <a:off x="358914" y="1616596"/>
+            <a:ext cx="7296840" cy="3979134"/>
           </a:xfrm>
           <a:prstGeom prst="round2DiagRect">
             <a:avLst>
@@ -18574,6 +18574,63 @@
               </a:srgbClr>
             </a:outerShdw>
           </a:effectLst>
+        </p:spPr>
+      </p:pic>
+      <p:pic>
+        <p:nvPicPr>
+          <p:cNvPr id="8" name="Immagine 7" descr="Immagine che contiene tavolo&#10;&#10;Descrizione generata automaticamente">
+            <a:extLst>
+              <a:ext uri="{FF2B5EF4-FFF2-40B4-BE49-F238E27FC236}">
+                <a16:creationId xmlns:a16="http://schemas.microsoft.com/office/drawing/2014/main" id="{6177CD13-5AED-4E11-A0ED-F6E5F85F82F3}"/>
+              </a:ext>
+            </a:extLst>
+          </p:cNvPr>
+          <p:cNvPicPr>
+            <a:picLocks noChangeAspect="1"/>
+          </p:cNvPicPr>
+          <p:nvPr/>
+        </p:nvPicPr>
+        <p:blipFill rotWithShape="1">
+          <a:blip r:embed="rId6">
+            <a:extLst>
+              <a:ext uri="{28A0092B-C50C-407E-A947-70E740481C1C}">
+                <a14:useLocalDpi xmlns:a14="http://schemas.microsoft.com/office/drawing/2010/main" val="0"/>
+              </a:ext>
+            </a:extLst>
+          </a:blip>
+          <a:srcRect r="881" b="8176"/>
+          <a:stretch/>
+        </p:blipFill>
+        <p:spPr bwMode="auto">
+          <a:xfrm>
+            <a:off x="7339081" y="2215736"/>
+            <a:ext cx="5300594" cy="1821760"/>
+          </a:xfrm>
+          <a:prstGeom prst="rect">
+            <a:avLst/>
+          </a:prstGeom>
+          <a:ln>
+            <a:noFill/>
+          </a:ln>
+          <a:effectLst>
+            <a:reflection blurRad="12700" stA="30000" endPos="30000" dist="5000" dir="5400000" sy="-100000" algn="bl" rotWithShape="0"/>
+          </a:effectLst>
+          <a:scene3d>
+            <a:camera prst="perspectiveContrastingLeftFacing">
+              <a:rot lat="300000" lon="19800000" rev="0"/>
+            </a:camera>
+            <a:lightRig rig="threePt" dir="t">
+              <a:rot lat="0" lon="0" rev="2700000"/>
+            </a:lightRig>
+          </a:scene3d>
+          <a:sp3d>
+            <a:bevelT w="63500" h="50800"/>
+          </a:sp3d>
+          <a:extLst>
+            <a:ext uri="{53640926-AAD7-44D8-BBD7-CCE9431645EC}">
+              <a14:shadowObscured xmlns:a14="http://schemas.microsoft.com/office/drawing/2010/main"/>
+            </a:ext>
+          </a:extLst>
         </p:spPr>
       </p:pic>
     </p:spTree>
@@ -18989,6 +19046,35 @@
           </p:pic>
         </mc:Fallback>
       </mc:AlternateContent>
+      <p:pic>
+        <p:nvPicPr>
+          <p:cNvPr id="7" name="Immagine 6">
+            <a:extLst>
+              <a:ext uri="{FF2B5EF4-FFF2-40B4-BE49-F238E27FC236}">
+                <a16:creationId xmlns:a16="http://schemas.microsoft.com/office/drawing/2014/main" id="{3858B582-1B80-4337-BC7E-47911E10E89D}"/>
+              </a:ext>
+            </a:extLst>
+          </p:cNvPr>
+          <p:cNvPicPr>
+            <a:picLocks noChangeAspect="1"/>
+          </p:cNvPicPr>
+          <p:nvPr/>
+        </p:nvPicPr>
+        <p:blipFill rotWithShape="1">
+          <a:blip r:embed="rId5"/>
+          <a:srcRect l="17388" t="21624" r="12587" b="23987"/>
+          <a:stretch/>
+        </p:blipFill>
+        <p:spPr>
+          <a:xfrm>
+            <a:off x="10030446" y="403118"/>
+            <a:ext cx="560440" cy="566629"/>
+          </a:xfrm>
+          <a:prstGeom prst="rect">
+            <a:avLst/>
+          </a:prstGeom>
+        </p:spPr>
+      </p:pic>
     </p:spTree>
     <p:extLst>
       <p:ext uri="{BB962C8B-B14F-4D97-AF65-F5344CB8AC3E}">
@@ -27919,7 +28005,7 @@
         </p:blipFill>
         <p:spPr>
           <a:xfrm>
-            <a:off x="10297059" y="173885"/>
+            <a:off x="10048581" y="503000"/>
             <a:ext cx="560440" cy="566629"/>
           </a:xfrm>
           <a:prstGeom prst="rect">
